--- a/ppt 16-9/0862.十字架.pptx
+++ b/ppt 16-9/0862.十字架.pptx
@@ -129,7 +129,7 @@
           <p:cNvPr id="2" name="标题 1">
             <a:extLst>
               <a:ext uri="{FF2B5EF4-FFF2-40B4-BE49-F238E27FC236}">
-                <a16:creationId xmlns:a16="http://schemas.microsoft.com/office/drawing/2014/main" id="{9B00CDAF-79A9-0C5E-9E00-B054E4392058}"/>
+                <a16:creationId xmlns:a16="http://schemas.microsoft.com/office/drawing/2014/main" id="{3A1C8DD8-5C71-B5D5-595C-39DD6E4128B5}"/>
               </a:ext>
             </a:extLst>
           </p:cNvPr>
@@ -166,7 +166,7 @@
           <p:cNvPr id="3" name="副标题 2">
             <a:extLst>
               <a:ext uri="{FF2B5EF4-FFF2-40B4-BE49-F238E27FC236}">
-                <a16:creationId xmlns:a16="http://schemas.microsoft.com/office/drawing/2014/main" id="{03878727-5FC7-D1D8-C502-68FFE52654F1}"/>
+                <a16:creationId xmlns:a16="http://schemas.microsoft.com/office/drawing/2014/main" id="{A2733F2C-F3F9-2CAB-A178-0EDB08C4F805}"/>
               </a:ext>
             </a:extLst>
           </p:cNvPr>
@@ -236,7 +236,7 @@
           <p:cNvPr id="4" name="日期占位符 3">
             <a:extLst>
               <a:ext uri="{FF2B5EF4-FFF2-40B4-BE49-F238E27FC236}">
-                <a16:creationId xmlns:a16="http://schemas.microsoft.com/office/drawing/2014/main" id="{4E2EC687-DBB2-E16A-F450-98CDD1CD0222}"/>
+                <a16:creationId xmlns:a16="http://schemas.microsoft.com/office/drawing/2014/main" id="{B898004E-209D-85D0-F99E-FA664FE7D91B}"/>
               </a:ext>
             </a:extLst>
           </p:cNvPr>
@@ -252,7 +252,7 @@
           <a:bodyPr/>
           <a:lstStyle/>
           <a:p>
-            <a:fld id="{67573F0E-0E9E-4FAD-AE03-D04145F75754}" type="datetimeFigureOut">
+            <a:fld id="{ABFBB987-713E-491B-AFD2-56C493664663}" type="datetimeFigureOut">
               <a:rPr lang="zh-CN" altLang="en-US" smtClean="0"/>
               <a:t>2024/3/10</a:t>
             </a:fld>
@@ -265,7 +265,7 @@
           <p:cNvPr id="5" name="页脚占位符 4">
             <a:extLst>
               <a:ext uri="{FF2B5EF4-FFF2-40B4-BE49-F238E27FC236}">
-                <a16:creationId xmlns:a16="http://schemas.microsoft.com/office/drawing/2014/main" id="{A47FB26F-E49D-C16C-B3E6-E21E26CB08CD}"/>
+                <a16:creationId xmlns:a16="http://schemas.microsoft.com/office/drawing/2014/main" id="{631B391B-CFFF-C111-D148-F316ADEA9AC3}"/>
               </a:ext>
             </a:extLst>
           </p:cNvPr>
@@ -290,7 +290,7 @@
           <p:cNvPr id="6" name="灯片编号占位符 5">
             <a:extLst>
               <a:ext uri="{FF2B5EF4-FFF2-40B4-BE49-F238E27FC236}">
-                <a16:creationId xmlns:a16="http://schemas.microsoft.com/office/drawing/2014/main" id="{5F1A4D91-E127-E3F6-2416-08BF726174A0}"/>
+                <a16:creationId xmlns:a16="http://schemas.microsoft.com/office/drawing/2014/main" id="{81B605FE-6965-D4D7-03A8-0B97FB64FD54}"/>
               </a:ext>
             </a:extLst>
           </p:cNvPr>
@@ -306,7 +306,7 @@
           <a:bodyPr/>
           <a:lstStyle/>
           <a:p>
-            <a:fld id="{FD6D1612-6690-4CFE-B9FC-94177A925B5D}" type="slidenum">
+            <a:fld id="{23F0216E-9F0C-43D7-9A27-D82F79244B71}" type="slidenum">
               <a:rPr lang="zh-CN" altLang="en-US" smtClean="0"/>
               <a:t>‹#›</a:t>
             </a:fld>
@@ -317,7 +317,7 @@
     </p:spTree>
     <p:extLst>
       <p:ext uri="{BB962C8B-B14F-4D97-AF65-F5344CB8AC3E}">
-        <p14:creationId xmlns:p14="http://schemas.microsoft.com/office/powerpoint/2010/main" val="2397500977"/>
+        <p14:creationId xmlns:p14="http://schemas.microsoft.com/office/powerpoint/2010/main" val="1457443993"/>
       </p:ext>
     </p:extLst>
   </p:cSld>
@@ -349,7 +349,7 @@
           <p:cNvPr id="2" name="标题 1">
             <a:extLst>
               <a:ext uri="{FF2B5EF4-FFF2-40B4-BE49-F238E27FC236}">
-                <a16:creationId xmlns:a16="http://schemas.microsoft.com/office/drawing/2014/main" id="{21120638-0889-68BE-F300-3376C31D64E0}"/>
+                <a16:creationId xmlns:a16="http://schemas.microsoft.com/office/drawing/2014/main" id="{761305DE-48E0-F875-53CD-066C7D099782}"/>
               </a:ext>
             </a:extLst>
           </p:cNvPr>
@@ -377,7 +377,7 @@
           <p:cNvPr id="3" name="竖排文字占位符 2">
             <a:extLst>
               <a:ext uri="{FF2B5EF4-FFF2-40B4-BE49-F238E27FC236}">
-                <a16:creationId xmlns:a16="http://schemas.microsoft.com/office/drawing/2014/main" id="{34BDD3F2-E1B5-30CF-A430-F5BA534F1F10}"/>
+                <a16:creationId xmlns:a16="http://schemas.microsoft.com/office/drawing/2014/main" id="{1EDDDF67-7313-B677-C510-70AA1F94FF4C}"/>
               </a:ext>
             </a:extLst>
           </p:cNvPr>
@@ -434,7 +434,7 @@
           <p:cNvPr id="4" name="日期占位符 3">
             <a:extLst>
               <a:ext uri="{FF2B5EF4-FFF2-40B4-BE49-F238E27FC236}">
-                <a16:creationId xmlns:a16="http://schemas.microsoft.com/office/drawing/2014/main" id="{5C020221-FD40-C0EB-553C-5AB099506A5F}"/>
+                <a16:creationId xmlns:a16="http://schemas.microsoft.com/office/drawing/2014/main" id="{14CED7B6-69E4-7DAC-E163-E72EE9A4E01E}"/>
               </a:ext>
             </a:extLst>
           </p:cNvPr>
@@ -450,7 +450,7 @@
           <a:bodyPr/>
           <a:lstStyle/>
           <a:p>
-            <a:fld id="{67573F0E-0E9E-4FAD-AE03-D04145F75754}" type="datetimeFigureOut">
+            <a:fld id="{ABFBB987-713E-491B-AFD2-56C493664663}" type="datetimeFigureOut">
               <a:rPr lang="zh-CN" altLang="en-US" smtClean="0"/>
               <a:t>2024/3/10</a:t>
             </a:fld>
@@ -463,7 +463,7 @@
           <p:cNvPr id="5" name="页脚占位符 4">
             <a:extLst>
               <a:ext uri="{FF2B5EF4-FFF2-40B4-BE49-F238E27FC236}">
-                <a16:creationId xmlns:a16="http://schemas.microsoft.com/office/drawing/2014/main" id="{655896CE-171E-8286-CAC7-18606621B7BE}"/>
+                <a16:creationId xmlns:a16="http://schemas.microsoft.com/office/drawing/2014/main" id="{A0F9B36C-4597-F201-5EE7-2AD0C65F4C9D}"/>
               </a:ext>
             </a:extLst>
           </p:cNvPr>
@@ -488,7 +488,7 @@
           <p:cNvPr id="6" name="灯片编号占位符 5">
             <a:extLst>
               <a:ext uri="{FF2B5EF4-FFF2-40B4-BE49-F238E27FC236}">
-                <a16:creationId xmlns:a16="http://schemas.microsoft.com/office/drawing/2014/main" id="{F89BE504-DBF1-2F4D-D424-32A44B999DCD}"/>
+                <a16:creationId xmlns:a16="http://schemas.microsoft.com/office/drawing/2014/main" id="{F607C869-3F4C-A4B9-567B-BFE73C140F87}"/>
               </a:ext>
             </a:extLst>
           </p:cNvPr>
@@ -504,7 +504,7 @@
           <a:bodyPr/>
           <a:lstStyle/>
           <a:p>
-            <a:fld id="{FD6D1612-6690-4CFE-B9FC-94177A925B5D}" type="slidenum">
+            <a:fld id="{23F0216E-9F0C-43D7-9A27-D82F79244B71}" type="slidenum">
               <a:rPr lang="zh-CN" altLang="en-US" smtClean="0"/>
               <a:t>‹#›</a:t>
             </a:fld>
@@ -515,7 +515,7 @@
     </p:spTree>
     <p:extLst>
       <p:ext uri="{BB962C8B-B14F-4D97-AF65-F5344CB8AC3E}">
-        <p14:creationId xmlns:p14="http://schemas.microsoft.com/office/powerpoint/2010/main" val="391650431"/>
+        <p14:creationId xmlns:p14="http://schemas.microsoft.com/office/powerpoint/2010/main" val="2981921149"/>
       </p:ext>
     </p:extLst>
   </p:cSld>
@@ -547,7 +547,7 @@
           <p:cNvPr id="2" name="竖排标题 1">
             <a:extLst>
               <a:ext uri="{FF2B5EF4-FFF2-40B4-BE49-F238E27FC236}">
-                <a16:creationId xmlns:a16="http://schemas.microsoft.com/office/drawing/2014/main" id="{7F77D8BE-4CB7-59DA-D7D0-F6CA6176A810}"/>
+                <a16:creationId xmlns:a16="http://schemas.microsoft.com/office/drawing/2014/main" id="{690C0308-1934-43D9-CCBF-6F2DF0F16769}"/>
               </a:ext>
             </a:extLst>
           </p:cNvPr>
@@ -580,7 +580,7 @@
           <p:cNvPr id="3" name="竖排文字占位符 2">
             <a:extLst>
               <a:ext uri="{FF2B5EF4-FFF2-40B4-BE49-F238E27FC236}">
-                <a16:creationId xmlns:a16="http://schemas.microsoft.com/office/drawing/2014/main" id="{55F8F797-7AE3-3498-2796-FB14F225BE45}"/>
+                <a16:creationId xmlns:a16="http://schemas.microsoft.com/office/drawing/2014/main" id="{0E74C3EB-CBE4-E120-795F-1AEBB5FBA37A}"/>
               </a:ext>
             </a:extLst>
           </p:cNvPr>
@@ -642,7 +642,7 @@
           <p:cNvPr id="4" name="日期占位符 3">
             <a:extLst>
               <a:ext uri="{FF2B5EF4-FFF2-40B4-BE49-F238E27FC236}">
-                <a16:creationId xmlns:a16="http://schemas.microsoft.com/office/drawing/2014/main" id="{D88808C6-28D9-1E44-50C5-F5CE71057732}"/>
+                <a16:creationId xmlns:a16="http://schemas.microsoft.com/office/drawing/2014/main" id="{95275F15-B63F-5367-EAD7-730476741172}"/>
               </a:ext>
             </a:extLst>
           </p:cNvPr>
@@ -658,7 +658,7 @@
           <a:bodyPr/>
           <a:lstStyle/>
           <a:p>
-            <a:fld id="{67573F0E-0E9E-4FAD-AE03-D04145F75754}" type="datetimeFigureOut">
+            <a:fld id="{ABFBB987-713E-491B-AFD2-56C493664663}" type="datetimeFigureOut">
               <a:rPr lang="zh-CN" altLang="en-US" smtClean="0"/>
               <a:t>2024/3/10</a:t>
             </a:fld>
@@ -671,7 +671,7 @@
           <p:cNvPr id="5" name="页脚占位符 4">
             <a:extLst>
               <a:ext uri="{FF2B5EF4-FFF2-40B4-BE49-F238E27FC236}">
-                <a16:creationId xmlns:a16="http://schemas.microsoft.com/office/drawing/2014/main" id="{7184B6BE-3DB7-0DA3-17E5-67C9C10EFED9}"/>
+                <a16:creationId xmlns:a16="http://schemas.microsoft.com/office/drawing/2014/main" id="{2E218D27-255E-E5AA-4908-EA21D8DD11FE}"/>
               </a:ext>
             </a:extLst>
           </p:cNvPr>
@@ -696,7 +696,7 @@
           <p:cNvPr id="6" name="灯片编号占位符 5">
             <a:extLst>
               <a:ext uri="{FF2B5EF4-FFF2-40B4-BE49-F238E27FC236}">
-                <a16:creationId xmlns:a16="http://schemas.microsoft.com/office/drawing/2014/main" id="{6BE26296-041C-E5F8-1DE2-7F16F6B30B8C}"/>
+                <a16:creationId xmlns:a16="http://schemas.microsoft.com/office/drawing/2014/main" id="{96BC9579-BCBB-551F-6746-12A28D599E98}"/>
               </a:ext>
             </a:extLst>
           </p:cNvPr>
@@ -712,7 +712,7 @@
           <a:bodyPr/>
           <a:lstStyle/>
           <a:p>
-            <a:fld id="{FD6D1612-6690-4CFE-B9FC-94177A925B5D}" type="slidenum">
+            <a:fld id="{23F0216E-9F0C-43D7-9A27-D82F79244B71}" type="slidenum">
               <a:rPr lang="zh-CN" altLang="en-US" smtClean="0"/>
               <a:t>‹#›</a:t>
             </a:fld>
@@ -723,7 +723,7 @@
     </p:spTree>
     <p:extLst>
       <p:ext uri="{BB962C8B-B14F-4D97-AF65-F5344CB8AC3E}">
-        <p14:creationId xmlns:p14="http://schemas.microsoft.com/office/powerpoint/2010/main" val="1574883397"/>
+        <p14:creationId xmlns:p14="http://schemas.microsoft.com/office/powerpoint/2010/main" val="743863639"/>
       </p:ext>
     </p:extLst>
   </p:cSld>
@@ -755,7 +755,7 @@
           <p:cNvPr id="2" name="标题 1">
             <a:extLst>
               <a:ext uri="{FF2B5EF4-FFF2-40B4-BE49-F238E27FC236}">
-                <a16:creationId xmlns:a16="http://schemas.microsoft.com/office/drawing/2014/main" id="{1A9F6645-8A9D-F8F0-34D3-7D1C0968E450}"/>
+                <a16:creationId xmlns:a16="http://schemas.microsoft.com/office/drawing/2014/main" id="{4E069F3B-FF5A-9E17-BB70-92089824D43C}"/>
               </a:ext>
             </a:extLst>
           </p:cNvPr>
@@ -783,7 +783,7 @@
           <p:cNvPr id="3" name="内容占位符 2">
             <a:extLst>
               <a:ext uri="{FF2B5EF4-FFF2-40B4-BE49-F238E27FC236}">
-                <a16:creationId xmlns:a16="http://schemas.microsoft.com/office/drawing/2014/main" id="{0CF3EF4D-ECEC-246D-CF50-728A17201878}"/>
+                <a16:creationId xmlns:a16="http://schemas.microsoft.com/office/drawing/2014/main" id="{46EB3200-4753-CFD8-1E7E-E57E13ECAE4D}"/>
               </a:ext>
             </a:extLst>
           </p:cNvPr>
@@ -840,7 +840,7 @@
           <p:cNvPr id="4" name="日期占位符 3">
             <a:extLst>
               <a:ext uri="{FF2B5EF4-FFF2-40B4-BE49-F238E27FC236}">
-                <a16:creationId xmlns:a16="http://schemas.microsoft.com/office/drawing/2014/main" id="{8D4C50A4-D5B0-F23D-0278-A83A0254C33B}"/>
+                <a16:creationId xmlns:a16="http://schemas.microsoft.com/office/drawing/2014/main" id="{885478A7-0319-F33B-5E26-D65538D3BA82}"/>
               </a:ext>
             </a:extLst>
           </p:cNvPr>
@@ -856,7 +856,7 @@
           <a:bodyPr/>
           <a:lstStyle/>
           <a:p>
-            <a:fld id="{67573F0E-0E9E-4FAD-AE03-D04145F75754}" type="datetimeFigureOut">
+            <a:fld id="{ABFBB987-713E-491B-AFD2-56C493664663}" type="datetimeFigureOut">
               <a:rPr lang="zh-CN" altLang="en-US" smtClean="0"/>
               <a:t>2024/3/10</a:t>
             </a:fld>
@@ -869,7 +869,7 @@
           <p:cNvPr id="5" name="页脚占位符 4">
             <a:extLst>
               <a:ext uri="{FF2B5EF4-FFF2-40B4-BE49-F238E27FC236}">
-                <a16:creationId xmlns:a16="http://schemas.microsoft.com/office/drawing/2014/main" id="{D9A5C47F-250D-C935-9482-CA5D782984C1}"/>
+                <a16:creationId xmlns:a16="http://schemas.microsoft.com/office/drawing/2014/main" id="{8159A02B-D131-65DC-A67F-BBC485A25288}"/>
               </a:ext>
             </a:extLst>
           </p:cNvPr>
@@ -894,7 +894,7 @@
           <p:cNvPr id="6" name="灯片编号占位符 5">
             <a:extLst>
               <a:ext uri="{FF2B5EF4-FFF2-40B4-BE49-F238E27FC236}">
-                <a16:creationId xmlns:a16="http://schemas.microsoft.com/office/drawing/2014/main" id="{003D0799-40BB-8BCC-1504-1A724B6B8298}"/>
+                <a16:creationId xmlns:a16="http://schemas.microsoft.com/office/drawing/2014/main" id="{BBD71BB2-2913-0F10-35F3-87ECECD0AFA1}"/>
               </a:ext>
             </a:extLst>
           </p:cNvPr>
@@ -910,7 +910,7 @@
           <a:bodyPr/>
           <a:lstStyle/>
           <a:p>
-            <a:fld id="{FD6D1612-6690-4CFE-B9FC-94177A925B5D}" type="slidenum">
+            <a:fld id="{23F0216E-9F0C-43D7-9A27-D82F79244B71}" type="slidenum">
               <a:rPr lang="zh-CN" altLang="en-US" smtClean="0"/>
               <a:t>‹#›</a:t>
             </a:fld>
@@ -921,7 +921,7 @@
     </p:spTree>
     <p:extLst>
       <p:ext uri="{BB962C8B-B14F-4D97-AF65-F5344CB8AC3E}">
-        <p14:creationId xmlns:p14="http://schemas.microsoft.com/office/powerpoint/2010/main" val="218216470"/>
+        <p14:creationId xmlns:p14="http://schemas.microsoft.com/office/powerpoint/2010/main" val="1878127463"/>
       </p:ext>
     </p:extLst>
   </p:cSld>
@@ -953,7 +953,7 @@
           <p:cNvPr id="2" name="标题 1">
             <a:extLst>
               <a:ext uri="{FF2B5EF4-FFF2-40B4-BE49-F238E27FC236}">
-                <a16:creationId xmlns:a16="http://schemas.microsoft.com/office/drawing/2014/main" id="{6045B4CE-546A-D090-A64B-B2528DE0E4D2}"/>
+                <a16:creationId xmlns:a16="http://schemas.microsoft.com/office/drawing/2014/main" id="{44FC094B-DC4E-8372-C6DC-15692E5459FD}"/>
               </a:ext>
             </a:extLst>
           </p:cNvPr>
@@ -990,7 +990,7 @@
           <p:cNvPr id="3" name="文本占位符 2">
             <a:extLst>
               <a:ext uri="{FF2B5EF4-FFF2-40B4-BE49-F238E27FC236}">
-                <a16:creationId xmlns:a16="http://schemas.microsoft.com/office/drawing/2014/main" id="{63E5363C-02FB-509A-959D-C291CA643CFB}"/>
+                <a16:creationId xmlns:a16="http://schemas.microsoft.com/office/drawing/2014/main" id="{B6357E4A-F02C-A391-8BF3-2851F5FE08E6}"/>
               </a:ext>
             </a:extLst>
           </p:cNvPr>
@@ -1115,7 +1115,7 @@
           <p:cNvPr id="4" name="日期占位符 3">
             <a:extLst>
               <a:ext uri="{FF2B5EF4-FFF2-40B4-BE49-F238E27FC236}">
-                <a16:creationId xmlns:a16="http://schemas.microsoft.com/office/drawing/2014/main" id="{CEEF73D4-1B63-9569-EEBD-2B862D2D707C}"/>
+                <a16:creationId xmlns:a16="http://schemas.microsoft.com/office/drawing/2014/main" id="{D26ECBD7-B547-5F90-1DE7-F65ABE0094E8}"/>
               </a:ext>
             </a:extLst>
           </p:cNvPr>
@@ -1131,7 +1131,7 @@
           <a:bodyPr/>
           <a:lstStyle/>
           <a:p>
-            <a:fld id="{67573F0E-0E9E-4FAD-AE03-D04145F75754}" type="datetimeFigureOut">
+            <a:fld id="{ABFBB987-713E-491B-AFD2-56C493664663}" type="datetimeFigureOut">
               <a:rPr lang="zh-CN" altLang="en-US" smtClean="0"/>
               <a:t>2024/3/10</a:t>
             </a:fld>
@@ -1144,7 +1144,7 @@
           <p:cNvPr id="5" name="页脚占位符 4">
             <a:extLst>
               <a:ext uri="{FF2B5EF4-FFF2-40B4-BE49-F238E27FC236}">
-                <a16:creationId xmlns:a16="http://schemas.microsoft.com/office/drawing/2014/main" id="{BE301856-1AD3-5FDE-16C9-FA82DC1964A5}"/>
+                <a16:creationId xmlns:a16="http://schemas.microsoft.com/office/drawing/2014/main" id="{28E8BA09-BD56-E748-9C31-5DE94A5B97C7}"/>
               </a:ext>
             </a:extLst>
           </p:cNvPr>
@@ -1169,7 +1169,7 @@
           <p:cNvPr id="6" name="灯片编号占位符 5">
             <a:extLst>
               <a:ext uri="{FF2B5EF4-FFF2-40B4-BE49-F238E27FC236}">
-                <a16:creationId xmlns:a16="http://schemas.microsoft.com/office/drawing/2014/main" id="{D3C560B4-A799-61D4-FBE3-13F70ED8A79F}"/>
+                <a16:creationId xmlns:a16="http://schemas.microsoft.com/office/drawing/2014/main" id="{B3620A00-726B-7F1E-2F55-78DFDC7378CD}"/>
               </a:ext>
             </a:extLst>
           </p:cNvPr>
@@ -1185,7 +1185,7 @@
           <a:bodyPr/>
           <a:lstStyle/>
           <a:p>
-            <a:fld id="{FD6D1612-6690-4CFE-B9FC-94177A925B5D}" type="slidenum">
+            <a:fld id="{23F0216E-9F0C-43D7-9A27-D82F79244B71}" type="slidenum">
               <a:rPr lang="zh-CN" altLang="en-US" smtClean="0"/>
               <a:t>‹#›</a:t>
             </a:fld>
@@ -1196,7 +1196,7 @@
     </p:spTree>
     <p:extLst>
       <p:ext uri="{BB962C8B-B14F-4D97-AF65-F5344CB8AC3E}">
-        <p14:creationId xmlns:p14="http://schemas.microsoft.com/office/powerpoint/2010/main" val="535296228"/>
+        <p14:creationId xmlns:p14="http://schemas.microsoft.com/office/powerpoint/2010/main" val="4056272247"/>
       </p:ext>
     </p:extLst>
   </p:cSld>
@@ -1228,7 +1228,7 @@
           <p:cNvPr id="2" name="标题 1">
             <a:extLst>
               <a:ext uri="{FF2B5EF4-FFF2-40B4-BE49-F238E27FC236}">
-                <a16:creationId xmlns:a16="http://schemas.microsoft.com/office/drawing/2014/main" id="{615B45FD-5E4F-79DA-4776-1B7B89363209}"/>
+                <a16:creationId xmlns:a16="http://schemas.microsoft.com/office/drawing/2014/main" id="{A9122915-7368-BE45-47E3-41A1CD48B239}"/>
               </a:ext>
             </a:extLst>
           </p:cNvPr>
@@ -1256,7 +1256,7 @@
           <p:cNvPr id="3" name="内容占位符 2">
             <a:extLst>
               <a:ext uri="{FF2B5EF4-FFF2-40B4-BE49-F238E27FC236}">
-                <a16:creationId xmlns:a16="http://schemas.microsoft.com/office/drawing/2014/main" id="{0D11377B-8C47-C54F-F72B-FECD1DB21609}"/>
+                <a16:creationId xmlns:a16="http://schemas.microsoft.com/office/drawing/2014/main" id="{816EDD99-14B0-3625-01D2-D8BA993BA4D2}"/>
               </a:ext>
             </a:extLst>
           </p:cNvPr>
@@ -1318,7 +1318,7 @@
           <p:cNvPr id="4" name="内容占位符 3">
             <a:extLst>
               <a:ext uri="{FF2B5EF4-FFF2-40B4-BE49-F238E27FC236}">
-                <a16:creationId xmlns:a16="http://schemas.microsoft.com/office/drawing/2014/main" id="{9E0CC761-03ED-EF8E-594A-31233BD918BA}"/>
+                <a16:creationId xmlns:a16="http://schemas.microsoft.com/office/drawing/2014/main" id="{D27C1F73-D307-1CAD-F72E-982F1F66054A}"/>
               </a:ext>
             </a:extLst>
           </p:cNvPr>
@@ -1380,7 +1380,7 @@
           <p:cNvPr id="5" name="日期占位符 4">
             <a:extLst>
               <a:ext uri="{FF2B5EF4-FFF2-40B4-BE49-F238E27FC236}">
-                <a16:creationId xmlns:a16="http://schemas.microsoft.com/office/drawing/2014/main" id="{A46B93A4-7A7E-4D75-BA17-A48F7EAC7090}"/>
+                <a16:creationId xmlns:a16="http://schemas.microsoft.com/office/drawing/2014/main" id="{822E2D7C-8AE3-50ED-5B48-66A4CE27D67D}"/>
               </a:ext>
             </a:extLst>
           </p:cNvPr>
@@ -1396,7 +1396,7 @@
           <a:bodyPr/>
           <a:lstStyle/>
           <a:p>
-            <a:fld id="{67573F0E-0E9E-4FAD-AE03-D04145F75754}" type="datetimeFigureOut">
+            <a:fld id="{ABFBB987-713E-491B-AFD2-56C493664663}" type="datetimeFigureOut">
               <a:rPr lang="zh-CN" altLang="en-US" smtClean="0"/>
               <a:t>2024/3/10</a:t>
             </a:fld>
@@ -1409,7 +1409,7 @@
           <p:cNvPr id="6" name="页脚占位符 5">
             <a:extLst>
               <a:ext uri="{FF2B5EF4-FFF2-40B4-BE49-F238E27FC236}">
-                <a16:creationId xmlns:a16="http://schemas.microsoft.com/office/drawing/2014/main" id="{A9CAE4A1-95B4-3F35-A294-035C3440E4E0}"/>
+                <a16:creationId xmlns:a16="http://schemas.microsoft.com/office/drawing/2014/main" id="{430923D7-87BE-C134-B374-62F177CE47D1}"/>
               </a:ext>
             </a:extLst>
           </p:cNvPr>
@@ -1434,7 +1434,7 @@
           <p:cNvPr id="7" name="灯片编号占位符 6">
             <a:extLst>
               <a:ext uri="{FF2B5EF4-FFF2-40B4-BE49-F238E27FC236}">
-                <a16:creationId xmlns:a16="http://schemas.microsoft.com/office/drawing/2014/main" id="{B7483CD7-45E5-0C9C-1765-9B0A16DD5448}"/>
+                <a16:creationId xmlns:a16="http://schemas.microsoft.com/office/drawing/2014/main" id="{3C3777D4-7901-B7E2-CD40-327BBB36B45C}"/>
               </a:ext>
             </a:extLst>
           </p:cNvPr>
@@ -1450,7 +1450,7 @@
           <a:bodyPr/>
           <a:lstStyle/>
           <a:p>
-            <a:fld id="{FD6D1612-6690-4CFE-B9FC-94177A925B5D}" type="slidenum">
+            <a:fld id="{23F0216E-9F0C-43D7-9A27-D82F79244B71}" type="slidenum">
               <a:rPr lang="zh-CN" altLang="en-US" smtClean="0"/>
               <a:t>‹#›</a:t>
             </a:fld>
@@ -1461,7 +1461,7 @@
     </p:spTree>
     <p:extLst>
       <p:ext uri="{BB962C8B-B14F-4D97-AF65-F5344CB8AC3E}">
-        <p14:creationId xmlns:p14="http://schemas.microsoft.com/office/powerpoint/2010/main" val="4150785413"/>
+        <p14:creationId xmlns:p14="http://schemas.microsoft.com/office/powerpoint/2010/main" val="61094858"/>
       </p:ext>
     </p:extLst>
   </p:cSld>
@@ -1493,7 +1493,7 @@
           <p:cNvPr id="2" name="标题 1">
             <a:extLst>
               <a:ext uri="{FF2B5EF4-FFF2-40B4-BE49-F238E27FC236}">
-                <a16:creationId xmlns:a16="http://schemas.microsoft.com/office/drawing/2014/main" id="{F282E9CF-EBFB-78A1-CE10-6DF3E6DBA02D}"/>
+                <a16:creationId xmlns:a16="http://schemas.microsoft.com/office/drawing/2014/main" id="{99C8942F-A971-AA20-DEA3-93F292FE888F}"/>
               </a:ext>
             </a:extLst>
           </p:cNvPr>
@@ -1526,7 +1526,7 @@
           <p:cNvPr id="3" name="文本占位符 2">
             <a:extLst>
               <a:ext uri="{FF2B5EF4-FFF2-40B4-BE49-F238E27FC236}">
-                <a16:creationId xmlns:a16="http://schemas.microsoft.com/office/drawing/2014/main" id="{A9598E32-97CF-9264-0664-ED14DF71B104}"/>
+                <a16:creationId xmlns:a16="http://schemas.microsoft.com/office/drawing/2014/main" id="{594517CF-C80B-15FE-F370-681A119F1BCE}"/>
               </a:ext>
             </a:extLst>
           </p:cNvPr>
@@ -1597,7 +1597,7 @@
           <p:cNvPr id="4" name="内容占位符 3">
             <a:extLst>
               <a:ext uri="{FF2B5EF4-FFF2-40B4-BE49-F238E27FC236}">
-                <a16:creationId xmlns:a16="http://schemas.microsoft.com/office/drawing/2014/main" id="{9F913E2C-04F1-5F04-A043-5C9C758E35F9}"/>
+                <a16:creationId xmlns:a16="http://schemas.microsoft.com/office/drawing/2014/main" id="{8B9EAEF1-55CE-71A5-DB35-01E3D3D9A223}"/>
               </a:ext>
             </a:extLst>
           </p:cNvPr>
@@ -1659,7 +1659,7 @@
           <p:cNvPr id="5" name="文本占位符 4">
             <a:extLst>
               <a:ext uri="{FF2B5EF4-FFF2-40B4-BE49-F238E27FC236}">
-                <a16:creationId xmlns:a16="http://schemas.microsoft.com/office/drawing/2014/main" id="{24517294-DA61-659C-ED3F-87AF35BEE132}"/>
+                <a16:creationId xmlns:a16="http://schemas.microsoft.com/office/drawing/2014/main" id="{5407E2B6-CD17-9F51-5BA7-FF43850D7590}"/>
               </a:ext>
             </a:extLst>
           </p:cNvPr>
@@ -1730,7 +1730,7 @@
           <p:cNvPr id="6" name="内容占位符 5">
             <a:extLst>
               <a:ext uri="{FF2B5EF4-FFF2-40B4-BE49-F238E27FC236}">
-                <a16:creationId xmlns:a16="http://schemas.microsoft.com/office/drawing/2014/main" id="{7AA38B90-8399-F084-D61A-76B993B6EB7F}"/>
+                <a16:creationId xmlns:a16="http://schemas.microsoft.com/office/drawing/2014/main" id="{657D2343-ADA2-4DC1-BFD0-456F6E1846EB}"/>
               </a:ext>
             </a:extLst>
           </p:cNvPr>
@@ -1792,7 +1792,7 @@
           <p:cNvPr id="7" name="日期占位符 6">
             <a:extLst>
               <a:ext uri="{FF2B5EF4-FFF2-40B4-BE49-F238E27FC236}">
-                <a16:creationId xmlns:a16="http://schemas.microsoft.com/office/drawing/2014/main" id="{548F1D2D-3637-0430-6FB6-6CC6CA42B303}"/>
+                <a16:creationId xmlns:a16="http://schemas.microsoft.com/office/drawing/2014/main" id="{7252F54C-83E0-3DA3-A9E8-63908CAC72BF}"/>
               </a:ext>
             </a:extLst>
           </p:cNvPr>
@@ -1808,7 +1808,7 @@
           <a:bodyPr/>
           <a:lstStyle/>
           <a:p>
-            <a:fld id="{67573F0E-0E9E-4FAD-AE03-D04145F75754}" type="datetimeFigureOut">
+            <a:fld id="{ABFBB987-713E-491B-AFD2-56C493664663}" type="datetimeFigureOut">
               <a:rPr lang="zh-CN" altLang="en-US" smtClean="0"/>
               <a:t>2024/3/10</a:t>
             </a:fld>
@@ -1821,7 +1821,7 @@
           <p:cNvPr id="8" name="页脚占位符 7">
             <a:extLst>
               <a:ext uri="{FF2B5EF4-FFF2-40B4-BE49-F238E27FC236}">
-                <a16:creationId xmlns:a16="http://schemas.microsoft.com/office/drawing/2014/main" id="{DC630268-CE55-A6D3-4C64-2537F4828FA9}"/>
+                <a16:creationId xmlns:a16="http://schemas.microsoft.com/office/drawing/2014/main" id="{695D8F36-918F-32FD-6C0A-D22C7320C34B}"/>
               </a:ext>
             </a:extLst>
           </p:cNvPr>
@@ -1846,7 +1846,7 @@
           <p:cNvPr id="9" name="灯片编号占位符 8">
             <a:extLst>
               <a:ext uri="{FF2B5EF4-FFF2-40B4-BE49-F238E27FC236}">
-                <a16:creationId xmlns:a16="http://schemas.microsoft.com/office/drawing/2014/main" id="{998D5378-676E-821D-23F6-5BD146007937}"/>
+                <a16:creationId xmlns:a16="http://schemas.microsoft.com/office/drawing/2014/main" id="{2750AD38-3977-ED9E-9DB4-0EF47ABCDC7F}"/>
               </a:ext>
             </a:extLst>
           </p:cNvPr>
@@ -1862,7 +1862,7 @@
           <a:bodyPr/>
           <a:lstStyle/>
           <a:p>
-            <a:fld id="{FD6D1612-6690-4CFE-B9FC-94177A925B5D}" type="slidenum">
+            <a:fld id="{23F0216E-9F0C-43D7-9A27-D82F79244B71}" type="slidenum">
               <a:rPr lang="zh-CN" altLang="en-US" smtClean="0"/>
               <a:t>‹#›</a:t>
             </a:fld>
@@ -1873,7 +1873,7 @@
     </p:spTree>
     <p:extLst>
       <p:ext uri="{BB962C8B-B14F-4D97-AF65-F5344CB8AC3E}">
-        <p14:creationId xmlns:p14="http://schemas.microsoft.com/office/powerpoint/2010/main" val="296088"/>
+        <p14:creationId xmlns:p14="http://schemas.microsoft.com/office/powerpoint/2010/main" val="2294637162"/>
       </p:ext>
     </p:extLst>
   </p:cSld>
@@ -1905,7 +1905,7 @@
           <p:cNvPr id="2" name="标题 1">
             <a:extLst>
               <a:ext uri="{FF2B5EF4-FFF2-40B4-BE49-F238E27FC236}">
-                <a16:creationId xmlns:a16="http://schemas.microsoft.com/office/drawing/2014/main" id="{BC7C9970-D442-E9D9-ABC3-47AB52689174}"/>
+                <a16:creationId xmlns:a16="http://schemas.microsoft.com/office/drawing/2014/main" id="{3F345CF2-43CB-42E2-AF5F-264857D5D92A}"/>
               </a:ext>
             </a:extLst>
           </p:cNvPr>
@@ -1933,7 +1933,7 @@
           <p:cNvPr id="3" name="日期占位符 2">
             <a:extLst>
               <a:ext uri="{FF2B5EF4-FFF2-40B4-BE49-F238E27FC236}">
-                <a16:creationId xmlns:a16="http://schemas.microsoft.com/office/drawing/2014/main" id="{941722F3-4594-D387-4FD5-89610CBDD950}"/>
+                <a16:creationId xmlns:a16="http://schemas.microsoft.com/office/drawing/2014/main" id="{BAAC92C8-A483-AF6A-ED82-FACF582866FC}"/>
               </a:ext>
             </a:extLst>
           </p:cNvPr>
@@ -1949,7 +1949,7 @@
           <a:bodyPr/>
           <a:lstStyle/>
           <a:p>
-            <a:fld id="{67573F0E-0E9E-4FAD-AE03-D04145F75754}" type="datetimeFigureOut">
+            <a:fld id="{ABFBB987-713E-491B-AFD2-56C493664663}" type="datetimeFigureOut">
               <a:rPr lang="zh-CN" altLang="en-US" smtClean="0"/>
               <a:t>2024/3/10</a:t>
             </a:fld>
@@ -1962,7 +1962,7 @@
           <p:cNvPr id="4" name="页脚占位符 3">
             <a:extLst>
               <a:ext uri="{FF2B5EF4-FFF2-40B4-BE49-F238E27FC236}">
-                <a16:creationId xmlns:a16="http://schemas.microsoft.com/office/drawing/2014/main" id="{9DD7843B-A234-5CD1-B128-42BD698D4AC7}"/>
+                <a16:creationId xmlns:a16="http://schemas.microsoft.com/office/drawing/2014/main" id="{94515C55-F7B9-64DD-2072-4268EA7BE365}"/>
               </a:ext>
             </a:extLst>
           </p:cNvPr>
@@ -1987,7 +1987,7 @@
           <p:cNvPr id="5" name="灯片编号占位符 4">
             <a:extLst>
               <a:ext uri="{FF2B5EF4-FFF2-40B4-BE49-F238E27FC236}">
-                <a16:creationId xmlns:a16="http://schemas.microsoft.com/office/drawing/2014/main" id="{A25039B7-F926-021E-8656-03AE05711EED}"/>
+                <a16:creationId xmlns:a16="http://schemas.microsoft.com/office/drawing/2014/main" id="{99BB4EA6-745B-7C14-6F8D-90778AA80CE2}"/>
               </a:ext>
             </a:extLst>
           </p:cNvPr>
@@ -2003,7 +2003,7 @@
           <a:bodyPr/>
           <a:lstStyle/>
           <a:p>
-            <a:fld id="{FD6D1612-6690-4CFE-B9FC-94177A925B5D}" type="slidenum">
+            <a:fld id="{23F0216E-9F0C-43D7-9A27-D82F79244B71}" type="slidenum">
               <a:rPr lang="zh-CN" altLang="en-US" smtClean="0"/>
               <a:t>‹#›</a:t>
             </a:fld>
@@ -2014,7 +2014,7 @@
     </p:spTree>
     <p:extLst>
       <p:ext uri="{BB962C8B-B14F-4D97-AF65-F5344CB8AC3E}">
-        <p14:creationId xmlns:p14="http://schemas.microsoft.com/office/powerpoint/2010/main" val="1867831505"/>
+        <p14:creationId xmlns:p14="http://schemas.microsoft.com/office/powerpoint/2010/main" val="991033188"/>
       </p:ext>
     </p:extLst>
   </p:cSld>
@@ -2046,7 +2046,7 @@
           <p:cNvPr id="2" name="日期占位符 1">
             <a:extLst>
               <a:ext uri="{FF2B5EF4-FFF2-40B4-BE49-F238E27FC236}">
-                <a16:creationId xmlns:a16="http://schemas.microsoft.com/office/drawing/2014/main" id="{6102199C-D4C7-02D0-9EB5-BF719ED974D9}"/>
+                <a16:creationId xmlns:a16="http://schemas.microsoft.com/office/drawing/2014/main" id="{7F11784D-6785-B6C7-0728-6A154D932C46}"/>
               </a:ext>
             </a:extLst>
           </p:cNvPr>
@@ -2062,7 +2062,7 @@
           <a:bodyPr/>
           <a:lstStyle/>
           <a:p>
-            <a:fld id="{67573F0E-0E9E-4FAD-AE03-D04145F75754}" type="datetimeFigureOut">
+            <a:fld id="{ABFBB987-713E-491B-AFD2-56C493664663}" type="datetimeFigureOut">
               <a:rPr lang="zh-CN" altLang="en-US" smtClean="0"/>
               <a:t>2024/3/10</a:t>
             </a:fld>
@@ -2075,7 +2075,7 @@
           <p:cNvPr id="3" name="页脚占位符 2">
             <a:extLst>
               <a:ext uri="{FF2B5EF4-FFF2-40B4-BE49-F238E27FC236}">
-                <a16:creationId xmlns:a16="http://schemas.microsoft.com/office/drawing/2014/main" id="{D95B6631-24DF-858D-636D-2FD25160B7EC}"/>
+                <a16:creationId xmlns:a16="http://schemas.microsoft.com/office/drawing/2014/main" id="{8C154527-ABA0-6C85-C00A-E5455C4574DE}"/>
               </a:ext>
             </a:extLst>
           </p:cNvPr>
@@ -2100,7 +2100,7 @@
           <p:cNvPr id="4" name="灯片编号占位符 3">
             <a:extLst>
               <a:ext uri="{FF2B5EF4-FFF2-40B4-BE49-F238E27FC236}">
-                <a16:creationId xmlns:a16="http://schemas.microsoft.com/office/drawing/2014/main" id="{99DF8EF4-EAC9-1B0B-2810-96CCE21AE169}"/>
+                <a16:creationId xmlns:a16="http://schemas.microsoft.com/office/drawing/2014/main" id="{28EEF956-DE91-3371-C9A2-DF43C1F7430B}"/>
               </a:ext>
             </a:extLst>
           </p:cNvPr>
@@ -2116,7 +2116,7 @@
           <a:bodyPr/>
           <a:lstStyle/>
           <a:p>
-            <a:fld id="{FD6D1612-6690-4CFE-B9FC-94177A925B5D}" type="slidenum">
+            <a:fld id="{23F0216E-9F0C-43D7-9A27-D82F79244B71}" type="slidenum">
               <a:rPr lang="zh-CN" altLang="en-US" smtClean="0"/>
               <a:t>‹#›</a:t>
             </a:fld>
@@ -2127,7 +2127,7 @@
     </p:spTree>
     <p:extLst>
       <p:ext uri="{BB962C8B-B14F-4D97-AF65-F5344CB8AC3E}">
-        <p14:creationId xmlns:p14="http://schemas.microsoft.com/office/powerpoint/2010/main" val="1551488055"/>
+        <p14:creationId xmlns:p14="http://schemas.microsoft.com/office/powerpoint/2010/main" val="4155587298"/>
       </p:ext>
     </p:extLst>
   </p:cSld>
@@ -2159,7 +2159,7 @@
           <p:cNvPr id="2" name="标题 1">
             <a:extLst>
               <a:ext uri="{FF2B5EF4-FFF2-40B4-BE49-F238E27FC236}">
-                <a16:creationId xmlns:a16="http://schemas.microsoft.com/office/drawing/2014/main" id="{1224DC32-E53A-F41F-F676-E2F7DBAE2704}"/>
+                <a16:creationId xmlns:a16="http://schemas.microsoft.com/office/drawing/2014/main" id="{D196947B-0A2D-E283-24E6-F1778FB281CB}"/>
               </a:ext>
             </a:extLst>
           </p:cNvPr>
@@ -2196,7 +2196,7 @@
           <p:cNvPr id="3" name="内容占位符 2">
             <a:extLst>
               <a:ext uri="{FF2B5EF4-FFF2-40B4-BE49-F238E27FC236}">
-                <a16:creationId xmlns:a16="http://schemas.microsoft.com/office/drawing/2014/main" id="{BFDA3A95-A794-2317-7B6B-66BFD8F698E9}"/>
+                <a16:creationId xmlns:a16="http://schemas.microsoft.com/office/drawing/2014/main" id="{FC4BE3F4-072D-AD10-2C91-A66309FD47FA}"/>
               </a:ext>
             </a:extLst>
           </p:cNvPr>
@@ -2286,7 +2286,7 @@
           <p:cNvPr id="4" name="文本占位符 3">
             <a:extLst>
               <a:ext uri="{FF2B5EF4-FFF2-40B4-BE49-F238E27FC236}">
-                <a16:creationId xmlns:a16="http://schemas.microsoft.com/office/drawing/2014/main" id="{BBCE7647-0407-9D98-81A0-7ECFBC10F4C8}"/>
+                <a16:creationId xmlns:a16="http://schemas.microsoft.com/office/drawing/2014/main" id="{E05C7B83-5B73-ADAF-8B51-B12A33D076FE}"/>
               </a:ext>
             </a:extLst>
           </p:cNvPr>
@@ -2357,7 +2357,7 @@
           <p:cNvPr id="5" name="日期占位符 4">
             <a:extLst>
               <a:ext uri="{FF2B5EF4-FFF2-40B4-BE49-F238E27FC236}">
-                <a16:creationId xmlns:a16="http://schemas.microsoft.com/office/drawing/2014/main" id="{34384F27-263F-F91F-9434-25983AF53FC0}"/>
+                <a16:creationId xmlns:a16="http://schemas.microsoft.com/office/drawing/2014/main" id="{DB476C1E-6FFC-BF16-B0EB-2C11B4100F74}"/>
               </a:ext>
             </a:extLst>
           </p:cNvPr>
@@ -2373,7 +2373,7 @@
           <a:bodyPr/>
           <a:lstStyle/>
           <a:p>
-            <a:fld id="{67573F0E-0E9E-4FAD-AE03-D04145F75754}" type="datetimeFigureOut">
+            <a:fld id="{ABFBB987-713E-491B-AFD2-56C493664663}" type="datetimeFigureOut">
               <a:rPr lang="zh-CN" altLang="en-US" smtClean="0"/>
               <a:t>2024/3/10</a:t>
             </a:fld>
@@ -2386,7 +2386,7 @@
           <p:cNvPr id="6" name="页脚占位符 5">
             <a:extLst>
               <a:ext uri="{FF2B5EF4-FFF2-40B4-BE49-F238E27FC236}">
-                <a16:creationId xmlns:a16="http://schemas.microsoft.com/office/drawing/2014/main" id="{F9C8BF3E-BB89-BD36-44E6-52613B639FB8}"/>
+                <a16:creationId xmlns:a16="http://schemas.microsoft.com/office/drawing/2014/main" id="{7F6D6EB1-35E9-B82B-4DBE-70675FAF578E}"/>
               </a:ext>
             </a:extLst>
           </p:cNvPr>
@@ -2411,7 +2411,7 @@
           <p:cNvPr id="7" name="灯片编号占位符 6">
             <a:extLst>
               <a:ext uri="{FF2B5EF4-FFF2-40B4-BE49-F238E27FC236}">
-                <a16:creationId xmlns:a16="http://schemas.microsoft.com/office/drawing/2014/main" id="{308BCEFA-B4D7-7A36-1C5E-63B55B093DFD}"/>
+                <a16:creationId xmlns:a16="http://schemas.microsoft.com/office/drawing/2014/main" id="{C1854994-9EBA-BB03-73A5-6F341DEC2CCA}"/>
               </a:ext>
             </a:extLst>
           </p:cNvPr>
@@ -2427,7 +2427,7 @@
           <a:bodyPr/>
           <a:lstStyle/>
           <a:p>
-            <a:fld id="{FD6D1612-6690-4CFE-B9FC-94177A925B5D}" type="slidenum">
+            <a:fld id="{23F0216E-9F0C-43D7-9A27-D82F79244B71}" type="slidenum">
               <a:rPr lang="zh-CN" altLang="en-US" smtClean="0"/>
               <a:t>‹#›</a:t>
             </a:fld>
@@ -2438,7 +2438,7 @@
     </p:spTree>
     <p:extLst>
       <p:ext uri="{BB962C8B-B14F-4D97-AF65-F5344CB8AC3E}">
-        <p14:creationId xmlns:p14="http://schemas.microsoft.com/office/powerpoint/2010/main" val="1302839025"/>
+        <p14:creationId xmlns:p14="http://schemas.microsoft.com/office/powerpoint/2010/main" val="1358897108"/>
       </p:ext>
     </p:extLst>
   </p:cSld>
@@ -2470,7 +2470,7 @@
           <p:cNvPr id="2" name="标题 1">
             <a:extLst>
               <a:ext uri="{FF2B5EF4-FFF2-40B4-BE49-F238E27FC236}">
-                <a16:creationId xmlns:a16="http://schemas.microsoft.com/office/drawing/2014/main" id="{9B91659C-605F-9454-4F93-A11A0303B7D3}"/>
+                <a16:creationId xmlns:a16="http://schemas.microsoft.com/office/drawing/2014/main" id="{D3B997C4-E246-B462-9E01-A57949E796E0}"/>
               </a:ext>
             </a:extLst>
           </p:cNvPr>
@@ -2507,7 +2507,7 @@
           <p:cNvPr id="3" name="图片占位符 2">
             <a:extLst>
               <a:ext uri="{FF2B5EF4-FFF2-40B4-BE49-F238E27FC236}">
-                <a16:creationId xmlns:a16="http://schemas.microsoft.com/office/drawing/2014/main" id="{D489B471-CD0C-BE9F-4D3F-EF6B3D7567BF}"/>
+                <a16:creationId xmlns:a16="http://schemas.microsoft.com/office/drawing/2014/main" id="{93DDBCBA-B147-108D-0F8C-A4F13ADE3E5A}"/>
               </a:ext>
             </a:extLst>
           </p:cNvPr>
@@ -2574,7 +2574,7 @@
           <p:cNvPr id="4" name="文本占位符 3">
             <a:extLst>
               <a:ext uri="{FF2B5EF4-FFF2-40B4-BE49-F238E27FC236}">
-                <a16:creationId xmlns:a16="http://schemas.microsoft.com/office/drawing/2014/main" id="{379D3ED3-C588-8B5F-753D-8BCAF94FA49F}"/>
+                <a16:creationId xmlns:a16="http://schemas.microsoft.com/office/drawing/2014/main" id="{4A8BDA70-0ED0-B68F-3A8B-905E4E6FFA9C}"/>
               </a:ext>
             </a:extLst>
           </p:cNvPr>
@@ -2645,7 +2645,7 @@
           <p:cNvPr id="5" name="日期占位符 4">
             <a:extLst>
               <a:ext uri="{FF2B5EF4-FFF2-40B4-BE49-F238E27FC236}">
-                <a16:creationId xmlns:a16="http://schemas.microsoft.com/office/drawing/2014/main" id="{0C255203-D6D7-D80E-4D6D-CB5724B7D9BC}"/>
+                <a16:creationId xmlns:a16="http://schemas.microsoft.com/office/drawing/2014/main" id="{185D09E6-84E0-753C-6926-0B94A1728F6D}"/>
               </a:ext>
             </a:extLst>
           </p:cNvPr>
@@ -2661,7 +2661,7 @@
           <a:bodyPr/>
           <a:lstStyle/>
           <a:p>
-            <a:fld id="{67573F0E-0E9E-4FAD-AE03-D04145F75754}" type="datetimeFigureOut">
+            <a:fld id="{ABFBB987-713E-491B-AFD2-56C493664663}" type="datetimeFigureOut">
               <a:rPr lang="zh-CN" altLang="en-US" smtClean="0"/>
               <a:t>2024/3/10</a:t>
             </a:fld>
@@ -2674,7 +2674,7 @@
           <p:cNvPr id="6" name="页脚占位符 5">
             <a:extLst>
               <a:ext uri="{FF2B5EF4-FFF2-40B4-BE49-F238E27FC236}">
-                <a16:creationId xmlns:a16="http://schemas.microsoft.com/office/drawing/2014/main" id="{045ADA2C-0B98-457E-F3ED-92813811D340}"/>
+                <a16:creationId xmlns:a16="http://schemas.microsoft.com/office/drawing/2014/main" id="{B187D31F-8481-434C-17E4-883F46B5381E}"/>
               </a:ext>
             </a:extLst>
           </p:cNvPr>
@@ -2699,7 +2699,7 @@
           <p:cNvPr id="7" name="灯片编号占位符 6">
             <a:extLst>
               <a:ext uri="{FF2B5EF4-FFF2-40B4-BE49-F238E27FC236}">
-                <a16:creationId xmlns:a16="http://schemas.microsoft.com/office/drawing/2014/main" id="{0FD79604-6BB8-2891-10CC-4ACBF597DE67}"/>
+                <a16:creationId xmlns:a16="http://schemas.microsoft.com/office/drawing/2014/main" id="{A2430B04-34B7-2A9D-A20E-2FA7DA1FB463}"/>
               </a:ext>
             </a:extLst>
           </p:cNvPr>
@@ -2715,7 +2715,7 @@
           <a:bodyPr/>
           <a:lstStyle/>
           <a:p>
-            <a:fld id="{FD6D1612-6690-4CFE-B9FC-94177A925B5D}" type="slidenum">
+            <a:fld id="{23F0216E-9F0C-43D7-9A27-D82F79244B71}" type="slidenum">
               <a:rPr lang="zh-CN" altLang="en-US" smtClean="0"/>
               <a:t>‹#›</a:t>
             </a:fld>
@@ -2726,7 +2726,7 @@
     </p:spTree>
     <p:extLst>
       <p:ext uri="{BB962C8B-B14F-4D97-AF65-F5344CB8AC3E}">
-        <p14:creationId xmlns:p14="http://schemas.microsoft.com/office/powerpoint/2010/main" val="1940632226"/>
+        <p14:creationId xmlns:p14="http://schemas.microsoft.com/office/powerpoint/2010/main" val="727917889"/>
       </p:ext>
     </p:extLst>
   </p:cSld>
@@ -2763,7 +2763,7 @@
           <p:cNvPr id="2" name="标题占位符 1">
             <a:extLst>
               <a:ext uri="{FF2B5EF4-FFF2-40B4-BE49-F238E27FC236}">
-                <a16:creationId xmlns:a16="http://schemas.microsoft.com/office/drawing/2014/main" id="{1745A81E-4BE6-162F-D0DA-415247789D30}"/>
+                <a16:creationId xmlns:a16="http://schemas.microsoft.com/office/drawing/2014/main" id="{DD651A1F-EEF5-704E-852B-07D1E0090397}"/>
               </a:ext>
             </a:extLst>
           </p:cNvPr>
@@ -2801,7 +2801,7 @@
           <p:cNvPr id="3" name="文本占位符 2">
             <a:extLst>
               <a:ext uri="{FF2B5EF4-FFF2-40B4-BE49-F238E27FC236}">
-                <a16:creationId xmlns:a16="http://schemas.microsoft.com/office/drawing/2014/main" id="{DA0AB960-7F88-92D5-2667-65C83FB98B00}"/>
+                <a16:creationId xmlns:a16="http://schemas.microsoft.com/office/drawing/2014/main" id="{8D1102E8-6803-FF95-5069-23EA2DEA1439}"/>
               </a:ext>
             </a:extLst>
           </p:cNvPr>
@@ -2868,7 +2868,7 @@
           <p:cNvPr id="4" name="日期占位符 3">
             <a:extLst>
               <a:ext uri="{FF2B5EF4-FFF2-40B4-BE49-F238E27FC236}">
-                <a16:creationId xmlns:a16="http://schemas.microsoft.com/office/drawing/2014/main" id="{96885742-CAEF-D16F-0C64-1A13466145C6}"/>
+                <a16:creationId xmlns:a16="http://schemas.microsoft.com/office/drawing/2014/main" id="{F0DDE0C9-5EBE-AE14-6CB0-1B86E895A205}"/>
               </a:ext>
             </a:extLst>
           </p:cNvPr>
@@ -2902,7 +2902,7 @@
             </a:lvl1pPr>
           </a:lstStyle>
           <a:p>
-            <a:fld id="{67573F0E-0E9E-4FAD-AE03-D04145F75754}" type="datetimeFigureOut">
+            <a:fld id="{ABFBB987-713E-491B-AFD2-56C493664663}" type="datetimeFigureOut">
               <a:rPr lang="zh-CN" altLang="en-US" smtClean="0"/>
               <a:t>2024/3/10</a:t>
             </a:fld>
@@ -2915,7 +2915,7 @@
           <p:cNvPr id="5" name="页脚占位符 4">
             <a:extLst>
               <a:ext uri="{FF2B5EF4-FFF2-40B4-BE49-F238E27FC236}">
-                <a16:creationId xmlns:a16="http://schemas.microsoft.com/office/drawing/2014/main" id="{B0FE4ED5-500E-6B94-AF74-120C2AE4F191}"/>
+                <a16:creationId xmlns:a16="http://schemas.microsoft.com/office/drawing/2014/main" id="{26FD6A11-E54B-4CE2-D1E2-0F67B9E94CB1}"/>
               </a:ext>
             </a:extLst>
           </p:cNvPr>
@@ -2958,7 +2958,7 @@
           <p:cNvPr id="6" name="灯片编号占位符 5">
             <a:extLst>
               <a:ext uri="{FF2B5EF4-FFF2-40B4-BE49-F238E27FC236}">
-                <a16:creationId xmlns:a16="http://schemas.microsoft.com/office/drawing/2014/main" id="{07336718-2A3F-230A-063D-76B336FDA15E}"/>
+                <a16:creationId xmlns:a16="http://schemas.microsoft.com/office/drawing/2014/main" id="{0AB0DA59-68D2-8CEF-A707-DE7CD0AE802A}"/>
               </a:ext>
             </a:extLst>
           </p:cNvPr>
@@ -2992,7 +2992,7 @@
             </a:lvl1pPr>
           </a:lstStyle>
           <a:p>
-            <a:fld id="{FD6D1612-6690-4CFE-B9FC-94177A925B5D}" type="slidenum">
+            <a:fld id="{23F0216E-9F0C-43D7-9A27-D82F79244B71}" type="slidenum">
               <a:rPr lang="zh-CN" altLang="en-US" smtClean="0"/>
               <a:t>‹#›</a:t>
             </a:fld>
@@ -3003,7 +3003,7 @@
     </p:spTree>
     <p:extLst>
       <p:ext uri="{BB962C8B-B14F-4D97-AF65-F5344CB8AC3E}">
-        <p14:creationId xmlns:p14="http://schemas.microsoft.com/office/powerpoint/2010/main" val="1158741742"/>
+        <p14:creationId xmlns:p14="http://schemas.microsoft.com/office/powerpoint/2010/main" val="1233450886"/>
       </p:ext>
     </p:extLst>
   </p:cSld>
